--- a/continuous-security-in-the-cloud-buildstuff/ssh_audit.pptx
+++ b/continuous-security-in-the-cloud-buildstuff/ssh_audit.pptx
@@ -4821,94 +4821,19 @@
           </a:fontRef>
         </p:style>
       </p:cxnSp>
-      <p:grpSp>
-        <p:nvGrpSpPr>
-          <p:cNvPr id="151" name="Group 150"/>
-          <p:cNvGrpSpPr/>
-          <p:nvPr/>
-        </p:nvGrpSpPr>
-        <p:grpSpPr>
-          <a:xfrm>
-            <a:off x="10425510" y="4967371"/>
-            <a:ext cx="943550" cy="739745"/>
-            <a:chOff x="10435393" y="4888865"/>
-            <a:chExt cx="943550" cy="739745"/>
-          </a:xfrm>
-        </p:grpSpPr>
-        <p:pic>
-          <p:nvPicPr>
-            <p:cNvPr id="152" name="Picture 151"/>
-            <p:cNvPicPr>
-              <a:picLocks noChangeAspect="1"/>
-            </p:cNvPicPr>
-            <p:nvPr/>
-          </p:nvPicPr>
-          <p:blipFill>
-            <a:blip r:embed="rId11">
-              <a:extLst>
-                <a:ext uri="{28A0092B-C50C-407E-A947-70E740481C1C}">
-                  <a14:useLocalDpi xmlns:a14="http://schemas.microsoft.com/office/drawing/2010/main" val="0"/>
-                </a:ext>
-              </a:extLst>
-            </a:blip>
-            <a:stretch>
-              <a:fillRect/>
-            </a:stretch>
-          </p:blipFill>
-          <p:spPr>
-            <a:xfrm>
-              <a:off x="10640771" y="4888865"/>
-              <a:ext cx="451152" cy="541382"/>
-            </a:xfrm>
-            <a:prstGeom prst="rect">
-              <a:avLst/>
-            </a:prstGeom>
-          </p:spPr>
-        </p:pic>
-        <p:sp>
-          <p:nvSpPr>
-            <p:cNvPr id="153" name="TextBox 152"/>
-            <p:cNvSpPr txBox="1"/>
-            <p:nvPr/>
-          </p:nvSpPr>
-          <p:spPr>
-            <a:xfrm>
-              <a:off x="10435393" y="5473162"/>
-              <a:ext cx="943550" cy="155448"/>
-            </a:xfrm>
-            <a:prstGeom prst="rect">
-              <a:avLst/>
-            </a:prstGeom>
-            <a:noFill/>
-          </p:spPr>
-          <p:txBody>
-            <a:bodyPr wrap="square" lIns="0" tIns="0" rIns="0" bIns="0" rtlCol="0" anchor="t">
-              <a:noAutofit/>
-            </a:bodyPr>
-            <a:lstStyle/>
-            <a:p>
-              <a:pPr algn="ctr"/>
-              <a:r>
-                <a:rPr lang="en-US" sz="1000" b="1" dirty="0" smtClean="0"/>
-                <a:t>CloudTrail</a:t>
-              </a:r>
-              <a:endParaRPr lang="en-US" sz="1000" b="1" dirty="0"/>
-            </a:p>
-          </p:txBody>
-        </p:sp>
-      </p:grpSp>
       <p:cxnSp>
         <p:nvCxnSpPr>
           <p:cNvPr id="154" name="Straight Arrow Connector 153"/>
           <p:cNvCxnSpPr>
-            <a:stCxn id="144" idx="3"/>
+            <a:stCxn id="138" idx="3"/>
+            <a:endCxn id="159" idx="1"/>
           </p:cNvCxnSpPr>
           <p:nvPr/>
         </p:nvCxnSpPr>
         <p:spPr>
           <a:xfrm>
             <a:off x="8012240" y="4772610"/>
-            <a:ext cx="2618648" cy="465452"/>
+            <a:ext cx="2675149" cy="469699"/>
           </a:xfrm>
           <a:prstGeom prst="straightConnector1">
             <a:avLst/>
@@ -5059,6 +4984,82 @@
           </a:p>
         </p:txBody>
       </p:sp>
+      <p:grpSp>
+        <p:nvGrpSpPr>
+          <p:cNvPr id="162" name="Group 161"/>
+          <p:cNvGrpSpPr/>
+          <p:nvPr/>
+        </p:nvGrpSpPr>
+        <p:grpSpPr>
+          <a:xfrm>
+            <a:off x="10425510" y="4998920"/>
+            <a:ext cx="943550" cy="678216"/>
+            <a:chOff x="10425510" y="4998920"/>
+            <a:chExt cx="943550" cy="678216"/>
+          </a:xfrm>
+        </p:grpSpPr>
+        <p:sp>
+          <p:nvSpPr>
+            <p:cNvPr id="153" name="TextBox 152"/>
+            <p:cNvSpPr txBox="1"/>
+            <p:nvPr/>
+          </p:nvSpPr>
+          <p:spPr>
+            <a:xfrm>
+              <a:off x="10425510" y="5521688"/>
+              <a:ext cx="943550" cy="155448"/>
+            </a:xfrm>
+            <a:prstGeom prst="rect">
+              <a:avLst/>
+            </a:prstGeom>
+            <a:noFill/>
+          </p:spPr>
+          <p:txBody>
+            <a:bodyPr wrap="square" lIns="0" tIns="0" rIns="0" bIns="0" rtlCol="0" anchor="t">
+              <a:noAutofit/>
+            </a:bodyPr>
+            <a:lstStyle/>
+            <a:p>
+              <a:pPr algn="ctr"/>
+              <a:r>
+                <a:rPr lang="en-US" sz="1000" b="1" dirty="0" smtClean="0"/>
+                <a:t>CloudWatch</a:t>
+              </a:r>
+              <a:endParaRPr lang="en-US" sz="1000" b="1" dirty="0"/>
+            </a:p>
+          </p:txBody>
+        </p:sp>
+        <p:pic>
+          <p:nvPicPr>
+            <p:cNvPr id="159" name="Picture 158"/>
+            <p:cNvPicPr>
+              <a:picLocks noChangeAspect="1"/>
+            </p:cNvPicPr>
+            <p:nvPr/>
+          </p:nvPicPr>
+          <p:blipFill>
+            <a:blip r:embed="rId11">
+              <a:extLst>
+                <a:ext uri="{28A0092B-C50C-407E-A947-70E740481C1C}">
+                  <a14:useLocalDpi xmlns:a14="http://schemas.microsoft.com/office/drawing/2010/main" val="0"/>
+                </a:ext>
+              </a:extLst>
+            </a:blip>
+            <a:stretch>
+              <a:fillRect/>
+            </a:stretch>
+          </p:blipFill>
+          <p:spPr>
+            <a:xfrm>
+              <a:off x="10687389" y="4998920"/>
+              <a:ext cx="428829" cy="486778"/>
+            </a:xfrm>
+            <a:prstGeom prst="rect">
+              <a:avLst/>
+            </a:prstGeom>
+          </p:spPr>
+        </p:pic>
+      </p:grpSp>
     </p:spTree>
     <p:extLst>
       <p:ext uri="{BB962C8B-B14F-4D97-AF65-F5344CB8AC3E}">
